--- a/materials/2022暑期电路补习（全9讲）资料/电路复习5 频率特性和谐振现象/电路复习5.pptx
+++ b/materials/2022暑期电路补习（全9讲）资料/电路复习5 频率特性和谐振现象/电路复习5.pptx
@@ -265,7 +265,7 @@
           <a:p>
             <a:fld id="{D2DCD747-755D-4D4D-A50D-482537AB376F}" type="datetimeFigureOut">
               <a:rPr lang="zh-CN" altLang="en-US" smtClean="0"/>
-              <a:t>2022-08-04</a:t>
+              <a:t>2024/12/15</a:t>
             </a:fld>
             <a:endParaRPr lang="zh-CN" altLang="en-US"/>
           </a:p>
@@ -10630,12 +10630,12 @@
             <a:graphicData uri="http://schemas.openxmlformats.org/presentationml/2006/ole">
               <mc:AlternateContent xmlns:mc="http://schemas.openxmlformats.org/markup-compatibility/2006">
                 <mc:Choice xmlns:v="urn:schemas-microsoft-com:vml" Requires="v">
-                  <p:oleObj spid="_x0000_s1278" name="Equation" r:id="rId3" imgW="126890" imgH="190335" progId="Equation.3">
+                  <p:oleObj name="Equation" r:id="rId2" imgW="126890" imgH="190335" progId="Equation.3">
                     <p:embed/>
                   </p:oleObj>
                 </mc:Choice>
                 <mc:Fallback>
-                  <p:oleObj name="Equation" r:id="rId3" imgW="126890" imgH="190335" progId="Equation.3">
+                  <p:oleObj name="Equation" r:id="rId2" imgW="126890" imgH="190335" progId="Equation.3">
                     <p:embed/>
                     <p:pic>
                       <p:nvPicPr>
@@ -10652,7 +10652,7 @@
                         <p:nvPr/>
                       </p:nvPicPr>
                       <p:blipFill>
-                        <a:blip r:embed="rId4">
+                        <a:blip r:embed="rId3">
                           <a:extLst>
                             <a:ext uri="{28A0092B-C50C-407E-A947-70E740481C1C}">
                               <a14:useLocalDpi xmlns:a14="http://schemas.microsoft.com/office/drawing/2010/main" val="0"/>
@@ -12728,12 +12728,12 @@
             <a:graphicData uri="http://schemas.openxmlformats.org/presentationml/2006/ole">
               <mc:AlternateContent xmlns:mc="http://schemas.openxmlformats.org/markup-compatibility/2006">
                 <mc:Choice xmlns:v="urn:schemas-microsoft-com:vml" Requires="v">
-                  <p:oleObj spid="_x0000_s1279" name="公式" r:id="rId5" imgW="368140" imgH="431613" progId="Equation.3">
+                  <p:oleObj name="公式" r:id="rId4" imgW="368140" imgH="431613" progId="Equation.3">
                     <p:embed/>
                   </p:oleObj>
                 </mc:Choice>
                 <mc:Fallback>
-                  <p:oleObj name="公式" r:id="rId5" imgW="368140" imgH="431613" progId="Equation.3">
+                  <p:oleObj name="公式" r:id="rId4" imgW="368140" imgH="431613" progId="Equation.3">
                     <p:embed/>
                     <p:pic>
                       <p:nvPicPr>
@@ -12750,7 +12750,7 @@
                         <p:nvPr/>
                       </p:nvPicPr>
                       <p:blipFill>
-                        <a:blip r:embed="rId6">
+                        <a:blip r:embed="rId5">
                           <a:extLst>
                             <a:ext uri="{28A0092B-C50C-407E-A947-70E740481C1C}">
                               <a14:useLocalDpi xmlns:a14="http://schemas.microsoft.com/office/drawing/2010/main" val="0"/>
@@ -12833,12 +12833,12 @@
             <a:graphicData uri="http://schemas.openxmlformats.org/presentationml/2006/ole">
               <mc:AlternateContent xmlns:mc="http://schemas.openxmlformats.org/markup-compatibility/2006">
                 <mc:Choice xmlns:v="urn:schemas-microsoft-com:vml" Requires="v">
-                  <p:oleObj spid="_x0000_s1280" name="Equation" r:id="rId7" imgW="164957" imgH="203024" progId="Equation.3">
+                  <p:oleObj name="Equation" r:id="rId6" imgW="164957" imgH="203024" progId="Equation.3">
                     <p:embed/>
                   </p:oleObj>
                 </mc:Choice>
                 <mc:Fallback>
-                  <p:oleObj name="Equation" r:id="rId7" imgW="164957" imgH="203024" progId="Equation.3">
+                  <p:oleObj name="Equation" r:id="rId6" imgW="164957" imgH="203024" progId="Equation.3">
                     <p:embed/>
                     <p:pic>
                       <p:nvPicPr>
@@ -12855,7 +12855,7 @@
                         <p:nvPr/>
                       </p:nvPicPr>
                       <p:blipFill>
-                        <a:blip r:embed="rId8">
+                        <a:blip r:embed="rId7">
                           <a:extLst>
                             <a:ext uri="{28A0092B-C50C-407E-A947-70E740481C1C}">
                               <a14:useLocalDpi xmlns:a14="http://schemas.microsoft.com/office/drawing/2010/main" val="0"/>
@@ -12945,12 +12945,12 @@
           <a:graphicData uri="http://schemas.openxmlformats.org/presentationml/2006/ole">
             <mc:AlternateContent xmlns:mc="http://schemas.openxmlformats.org/markup-compatibility/2006">
               <mc:Choice xmlns:v="urn:schemas-microsoft-com:vml" Requires="v">
-                <p:oleObj spid="_x0000_s1281" name="Equation" r:id="rId9" imgW="2336760" imgH="583920" progId="Equation.DSMT4">
+                <p:oleObj name="Equation" r:id="rId8" imgW="2336760" imgH="583920" progId="Equation.DSMT4">
                   <p:embed/>
                 </p:oleObj>
               </mc:Choice>
               <mc:Fallback>
-                <p:oleObj name="Equation" r:id="rId9" imgW="2336760" imgH="583920" progId="Equation.DSMT4">
+                <p:oleObj name="Equation" r:id="rId8" imgW="2336760" imgH="583920" progId="Equation.DSMT4">
                   <p:embed/>
                   <p:pic>
                     <p:nvPicPr>
@@ -12959,7 +12959,7 @@
                       <p:nvPr/>
                     </p:nvPicPr>
                     <p:blipFill>
-                      <a:blip r:embed="rId10"/>
+                      <a:blip r:embed="rId9"/>
                       <a:stretch>
                         <a:fillRect/>
                       </a:stretch>
@@ -13008,12 +13008,12 @@
           <a:graphicData uri="http://schemas.openxmlformats.org/presentationml/2006/ole">
             <mc:AlternateContent xmlns:mc="http://schemas.openxmlformats.org/markup-compatibility/2006">
               <mc:Choice xmlns:v="urn:schemas-microsoft-com:vml" Requires="v">
-                <p:oleObj spid="_x0000_s1282" name="Equation" r:id="rId11" imgW="2476440" imgH="583920" progId="Equation.DSMT4">
+                <p:oleObj name="Equation" r:id="rId10" imgW="2476440" imgH="583920" progId="Equation.DSMT4">
                   <p:embed/>
                 </p:oleObj>
               </mc:Choice>
               <mc:Fallback>
-                <p:oleObj name="Equation" r:id="rId11" imgW="2476440" imgH="583920" progId="Equation.DSMT4">
+                <p:oleObj name="Equation" r:id="rId10" imgW="2476440" imgH="583920" progId="Equation.DSMT4">
                   <p:embed/>
                   <p:pic>
                     <p:nvPicPr>
@@ -13022,7 +13022,7 @@
                       <p:nvPr/>
                     </p:nvPicPr>
                     <p:blipFill>
-                      <a:blip r:embed="rId12"/>
+                      <a:blip r:embed="rId11"/>
                       <a:stretch>
                         <a:fillRect/>
                       </a:stretch>
@@ -13266,12 +13266,12 @@
           <a:graphicData uri="http://schemas.openxmlformats.org/presentationml/2006/ole">
             <mc:AlternateContent xmlns:mc="http://schemas.openxmlformats.org/markup-compatibility/2006">
               <mc:Choice xmlns:v="urn:schemas-microsoft-com:vml" Requires="v">
-                <p:oleObj spid="_x0000_s1283" name="公式" r:id="rId13" imgW="723586" imgH="393529" progId="Equation.3">
+                <p:oleObj name="公式" r:id="rId12" imgW="723586" imgH="393529" progId="Equation.3">
                   <p:embed/>
                 </p:oleObj>
               </mc:Choice>
               <mc:Fallback>
-                <p:oleObj name="公式" r:id="rId13" imgW="723586" imgH="393529" progId="Equation.3">
+                <p:oleObj name="公式" r:id="rId12" imgW="723586" imgH="393529" progId="Equation.3">
                   <p:embed/>
                   <p:pic>
                     <p:nvPicPr>
@@ -13288,7 +13288,7 @@
                       <p:nvPr/>
                     </p:nvPicPr>
                     <p:blipFill>
-                      <a:blip r:embed="rId14">
+                      <a:blip r:embed="rId13">
                         <a:extLst>
                           <a:ext uri="{28A0092B-C50C-407E-A947-70E740481C1C}">
                             <a14:useLocalDpi xmlns:a14="http://schemas.microsoft.com/office/drawing/2010/main" val="0"/>
@@ -13355,12 +13355,12 @@
           <a:graphicData uri="http://schemas.openxmlformats.org/presentationml/2006/ole">
             <mc:AlternateContent xmlns:mc="http://schemas.openxmlformats.org/markup-compatibility/2006">
               <mc:Choice xmlns:v="urn:schemas-microsoft-com:vml" Requires="v">
-                <p:oleObj spid="_x0000_s1284" name="Equation" r:id="rId15" imgW="1371600" imgH="838080" progId="Equation.DSMT4">
+                <p:oleObj name="Equation" r:id="rId14" imgW="1371600" imgH="838080" progId="Equation.DSMT4">
                   <p:embed/>
                 </p:oleObj>
               </mc:Choice>
               <mc:Fallback>
-                <p:oleObj name="Equation" r:id="rId15" imgW="1371600" imgH="838080" progId="Equation.DSMT4">
+                <p:oleObj name="Equation" r:id="rId14" imgW="1371600" imgH="838080" progId="Equation.DSMT4">
                   <p:embed/>
                   <p:pic>
                     <p:nvPicPr>
@@ -13369,7 +13369,7 @@
                       <p:nvPr/>
                     </p:nvPicPr>
                     <p:blipFill>
-                      <a:blip r:embed="rId16"/>
+                      <a:blip r:embed="rId15"/>
                       <a:stretch>
                         <a:fillRect/>
                       </a:stretch>
@@ -13418,12 +13418,12 @@
           <a:graphicData uri="http://schemas.openxmlformats.org/presentationml/2006/ole">
             <mc:AlternateContent xmlns:mc="http://schemas.openxmlformats.org/markup-compatibility/2006">
               <mc:Choice xmlns:v="urn:schemas-microsoft-com:vml" Requires="v">
-                <p:oleObj spid="_x0000_s1285" name="Equation" r:id="rId17" imgW="114120" imgH="177480" progId="Equation.DSMT4">
+                <p:oleObj name="Equation" r:id="rId16" imgW="114120" imgH="177480" progId="Equation.DSMT4">
                   <p:embed/>
                 </p:oleObj>
               </mc:Choice>
               <mc:Fallback>
-                <p:oleObj name="Equation" r:id="rId17" imgW="114120" imgH="177480" progId="Equation.DSMT4">
+                <p:oleObj name="Equation" r:id="rId16" imgW="114120" imgH="177480" progId="Equation.DSMT4">
                   <p:embed/>
                   <p:pic>
                     <p:nvPicPr>
@@ -13432,7 +13432,7 @@
                       <p:nvPr/>
                     </p:nvPicPr>
                     <p:blipFill>
-                      <a:blip r:embed="rId18"/>
+                      <a:blip r:embed="rId17"/>
                       <a:stretch>
                         <a:fillRect/>
                       </a:stretch>
@@ -13595,12 +13595,12 @@
           <a:graphicData uri="http://schemas.openxmlformats.org/presentationml/2006/ole">
             <mc:AlternateContent xmlns:mc="http://schemas.openxmlformats.org/markup-compatibility/2006">
               <mc:Choice xmlns:v="urn:schemas-microsoft-com:vml" Requires="v">
-                <p:oleObj spid="_x0000_s2076" name="Equation" r:id="rId3" imgW="2603160" imgH="939600" progId="Equation.DSMT4">
+                <p:oleObj name="Equation" r:id="rId2" imgW="2603160" imgH="939600" progId="Equation.DSMT4">
                   <p:embed/>
                 </p:oleObj>
               </mc:Choice>
               <mc:Fallback>
-                <p:oleObj name="Equation" r:id="rId3" imgW="2603160" imgH="939600" progId="Equation.DSMT4">
+                <p:oleObj name="Equation" r:id="rId2" imgW="2603160" imgH="939600" progId="Equation.DSMT4">
                   <p:embed/>
                   <p:pic>
                     <p:nvPicPr>
@@ -13609,7 +13609,7 @@
                       <p:nvPr/>
                     </p:nvPicPr>
                     <p:blipFill>
-                      <a:blip r:embed="rId4"/>
+                      <a:blip r:embed="rId3"/>
                       <a:stretch>
                         <a:fillRect/>
                       </a:stretch>
@@ -13946,12 +13946,12 @@
           <a:graphicData uri="http://schemas.openxmlformats.org/presentationml/2006/ole">
             <mc:AlternateContent xmlns:mc="http://schemas.openxmlformats.org/markup-compatibility/2006">
               <mc:Choice xmlns:v="urn:schemas-microsoft-com:vml" Requires="v">
-                <p:oleObj spid="_x0000_s5145" name="Equation" r:id="rId3" imgW="1511280" imgH="1714320" progId="Equation.DSMT4">
+                <p:oleObj name="Equation" r:id="rId2" imgW="1511280" imgH="1714320" progId="Equation.DSMT4">
                   <p:embed/>
                 </p:oleObj>
               </mc:Choice>
               <mc:Fallback>
-                <p:oleObj name="Equation" r:id="rId3" imgW="1511280" imgH="1714320" progId="Equation.DSMT4">
+                <p:oleObj name="Equation" r:id="rId2" imgW="1511280" imgH="1714320" progId="Equation.DSMT4">
                   <p:embed/>
                   <p:pic>
                     <p:nvPicPr>
@@ -13960,7 +13960,7 @@
                       <p:nvPr/>
                     </p:nvPicPr>
                     <p:blipFill>
-                      <a:blip r:embed="rId4"/>
+                      <a:blip r:embed="rId3"/>
                       <a:stretch>
                         <a:fillRect/>
                       </a:stretch>
@@ -14033,8 +14033,8 @@
         </p:nvSpPr>
         <p:spPr>
           <a:xfrm>
-            <a:off x="4572000" y="2749808"/>
-            <a:ext cx="3240003" cy="461665"/>
+            <a:off x="4572000" y="2472025"/>
+            <a:ext cx="3240003" cy="830997"/>
           </a:xfrm>
           <a:prstGeom prst="rect">
             <a:avLst/>
@@ -14054,7 +14054,7 @@
           <a:p>
             <a:r>
               <a:rPr lang="zh-CN" altLang="en-US" sz="2400" dirty="0"/>
-              <a:t>呈纯阻性，阻抗模最小</a:t>
+              <a:t>呈纯阻性，电容电感阻抗相消，阻抗模最小</a:t>
             </a:r>
           </a:p>
         </p:txBody>
@@ -14657,12 +14657,12 @@
             <a:graphicData uri="http://schemas.openxmlformats.org/presentationml/2006/ole">
               <mc:AlternateContent xmlns:mc="http://schemas.openxmlformats.org/markup-compatibility/2006">
                 <mc:Choice xmlns:v="urn:schemas-microsoft-com:vml" Requires="v">
-                  <p:oleObj spid="_x0000_s6218" name="Equation" r:id="rId3" imgW="126890" imgH="190335" progId="Equation.3">
+                  <p:oleObj name="Equation" r:id="rId2" imgW="126890" imgH="190335" progId="Equation.3">
                     <p:embed/>
                   </p:oleObj>
                 </mc:Choice>
                 <mc:Fallback>
-                  <p:oleObj name="Equation" r:id="rId3" imgW="126890" imgH="190335" progId="Equation.3">
+                  <p:oleObj name="Equation" r:id="rId2" imgW="126890" imgH="190335" progId="Equation.3">
                     <p:embed/>
                     <p:pic>
                       <p:nvPicPr>
@@ -14679,7 +14679,7 @@
                         <p:nvPr/>
                       </p:nvPicPr>
                       <p:blipFill>
-                        <a:blip r:embed="rId4">
+                        <a:blip r:embed="rId3">
                           <a:extLst>
                             <a:ext uri="{28A0092B-C50C-407E-A947-70E740481C1C}">
                               <a14:useLocalDpi xmlns:a14="http://schemas.microsoft.com/office/drawing/2010/main" val="0"/>
@@ -16755,12 +16755,12 @@
             <a:graphicData uri="http://schemas.openxmlformats.org/presentationml/2006/ole">
               <mc:AlternateContent xmlns:mc="http://schemas.openxmlformats.org/markup-compatibility/2006">
                 <mc:Choice xmlns:v="urn:schemas-microsoft-com:vml" Requires="v">
-                  <p:oleObj spid="_x0000_s6219" name="公式" r:id="rId5" imgW="368140" imgH="431613" progId="Equation.3">
+                  <p:oleObj name="公式" r:id="rId4" imgW="368140" imgH="431613" progId="Equation.3">
                     <p:embed/>
                   </p:oleObj>
                 </mc:Choice>
                 <mc:Fallback>
-                  <p:oleObj name="公式" r:id="rId5" imgW="368140" imgH="431613" progId="Equation.3">
+                  <p:oleObj name="公式" r:id="rId4" imgW="368140" imgH="431613" progId="Equation.3">
                     <p:embed/>
                     <p:pic>
                       <p:nvPicPr>
@@ -16777,7 +16777,7 @@
                         <p:nvPr/>
                       </p:nvPicPr>
                       <p:blipFill>
-                        <a:blip r:embed="rId6">
+                        <a:blip r:embed="rId5">
                           <a:extLst>
                             <a:ext uri="{28A0092B-C50C-407E-A947-70E740481C1C}">
                               <a14:useLocalDpi xmlns:a14="http://schemas.microsoft.com/office/drawing/2010/main" val="0"/>
@@ -16860,12 +16860,12 @@
             <a:graphicData uri="http://schemas.openxmlformats.org/presentationml/2006/ole">
               <mc:AlternateContent xmlns:mc="http://schemas.openxmlformats.org/markup-compatibility/2006">
                 <mc:Choice xmlns:v="urn:schemas-microsoft-com:vml" Requires="v">
-                  <p:oleObj spid="_x0000_s6220" name="Equation" r:id="rId7" imgW="164957" imgH="203024" progId="Equation.3">
+                  <p:oleObj name="Equation" r:id="rId6" imgW="164957" imgH="203024" progId="Equation.3">
                     <p:embed/>
                   </p:oleObj>
                 </mc:Choice>
                 <mc:Fallback>
-                  <p:oleObj name="Equation" r:id="rId7" imgW="164957" imgH="203024" progId="Equation.3">
+                  <p:oleObj name="Equation" r:id="rId6" imgW="164957" imgH="203024" progId="Equation.3">
                     <p:embed/>
                     <p:pic>
                       <p:nvPicPr>
@@ -16882,7 +16882,7 @@
                         <p:nvPr/>
                       </p:nvPicPr>
                       <p:blipFill>
-                        <a:blip r:embed="rId8">
+                        <a:blip r:embed="rId7">
                           <a:extLst>
                             <a:ext uri="{28A0092B-C50C-407E-A947-70E740481C1C}">
                               <a14:useLocalDpi xmlns:a14="http://schemas.microsoft.com/office/drawing/2010/main" val="0"/>
@@ -16959,7 +16959,7 @@
           <p:nvPr/>
         </p:nvPicPr>
         <p:blipFill>
-          <a:blip r:embed="rId9"/>
+          <a:blip r:embed="rId8"/>
           <a:stretch>
             <a:fillRect/>
           </a:stretch>
@@ -16989,7 +16989,7 @@
           <p:nvPr/>
         </p:nvPicPr>
         <p:blipFill>
-          <a:blip r:embed="rId10"/>
+          <a:blip r:embed="rId9"/>
           <a:stretch>
             <a:fillRect/>
           </a:stretch>
@@ -17019,7 +17019,7 @@
           <p:nvPr/>
         </p:nvPicPr>
         <p:blipFill>
-          <a:blip r:embed="rId11"/>
+          <a:blip r:embed="rId10"/>
           <a:stretch>
             <a:fillRect/>
           </a:stretch>
@@ -17465,7 +17465,7 @@
           <p:nvPr/>
         </p:nvPicPr>
         <p:blipFill>
-          <a:blip r:embed="rId3"/>
+          <a:blip r:embed="rId2"/>
           <a:stretch>
             <a:fillRect/>
           </a:stretch>
@@ -17480,69 +17480,6 @@
           </a:prstGeom>
         </p:spPr>
       </p:pic>
-      <p:graphicFrame>
-        <p:nvGraphicFramePr>
-          <p:cNvPr id="15" name="对象 14">
-            <a:extLst>
-              <a:ext uri="{FF2B5EF4-FFF2-40B4-BE49-F238E27FC236}">
-                <a16:creationId xmlns:a16="http://schemas.microsoft.com/office/drawing/2014/main" id="{DCCB565F-D6D3-4925-BB3F-2CDC105FB0D1}"/>
-              </a:ext>
-            </a:extLst>
-          </p:cNvPr>
-          <p:cNvGraphicFramePr>
-            <a:graphicFrameLocks noChangeAspect="1"/>
-          </p:cNvGraphicFramePr>
-          <p:nvPr>
-            <p:extLst>
-              <p:ext uri="{D42A27DB-BD31-4B8C-83A1-F6EECF244321}">
-                <p14:modId xmlns:p14="http://schemas.microsoft.com/office/powerpoint/2010/main" val="1821368476"/>
-              </p:ext>
-            </p:extLst>
-          </p:nvPr>
-        </p:nvGraphicFramePr>
-        <p:xfrm>
-          <a:off x="4572000" y="3111284"/>
-          <a:ext cx="4230288" cy="890587"/>
-        </p:xfrm>
-        <a:graphic>
-          <a:graphicData uri="http://schemas.openxmlformats.org/presentationml/2006/ole">
-            <mc:AlternateContent xmlns:mc="http://schemas.openxmlformats.org/markup-compatibility/2006">
-              <mc:Choice xmlns:v="urn:schemas-microsoft-com:vml" Requires="v">
-                <p:oleObj spid="_x0000_s10261" name="Equation" r:id="rId4" imgW="2171520" imgH="457200" progId="Equation.DSMT4">
-                  <p:embed/>
-                </p:oleObj>
-              </mc:Choice>
-              <mc:Fallback>
-                <p:oleObj name="Equation" r:id="rId4" imgW="2171520" imgH="457200" progId="Equation.DSMT4">
-                  <p:embed/>
-                  <p:pic>
-                    <p:nvPicPr>
-                      <p:cNvPr id="0" name=""/>
-                      <p:cNvPicPr/>
-                      <p:nvPr/>
-                    </p:nvPicPr>
-                    <p:blipFill>
-                      <a:blip r:embed="rId5"/>
-                      <a:stretch>
-                        <a:fillRect/>
-                      </a:stretch>
-                    </p:blipFill>
-                    <p:spPr>
-                      <a:xfrm>
-                        <a:off x="4572000" y="3111284"/>
-                        <a:ext cx="4230288" cy="890587"/>
-                      </a:xfrm>
-                      <a:prstGeom prst="rect">
-                        <a:avLst/>
-                      </a:prstGeom>
-                    </p:spPr>
-                  </p:pic>
-                </p:oleObj>
-              </mc:Fallback>
-            </mc:AlternateContent>
-          </a:graphicData>
-        </a:graphic>
-      </p:graphicFrame>
       <p:sp>
         <p:nvSpPr>
           <p:cNvPr id="17" name="文本框 16">
@@ -18439,35 +18376,40 @@
           <a:p>
             <a:r>
               <a:rPr lang="en-US" altLang="zh-CN" sz="2000" dirty="0">
-                <a:latin typeface="宋体" panose="02010600030101010101" pitchFamily="2" charset="-122"/>
-                <a:ea typeface="宋体" panose="02010600030101010101" pitchFamily="2" charset="-122"/>
+                <a:latin typeface="times" panose="02020603050405020304" pitchFamily="18" charset="0"/>
+                <a:ea typeface="times" panose="02020603050405020304" pitchFamily="18" charset="0"/>
+                <a:cs typeface="times" panose="02020603050405020304" pitchFamily="18" charset="0"/>
               </a:rPr>
               <a:t>Q</a:t>
             </a:r>
             <a:r>
               <a:rPr lang="zh-CN" altLang="en-US" sz="2000" dirty="0">
-                <a:latin typeface="宋体" panose="02010600030101010101" pitchFamily="2" charset="-122"/>
+                <a:latin typeface="times" panose="02020603050405020304" pitchFamily="18" charset="0"/>
                 <a:ea typeface="宋体" panose="02010600030101010101" pitchFamily="2" charset="-122"/>
+                <a:cs typeface="times" panose="02020603050405020304" pitchFamily="18" charset="0"/>
               </a:rPr>
               <a:t>值越大，截止频率处的曲线越陡，频率选择性越好，带宽越窄。</a:t>
             </a:r>
             <a:endParaRPr lang="en-US" altLang="zh-CN" sz="2000" dirty="0">
-              <a:latin typeface="宋体" panose="02010600030101010101" pitchFamily="2" charset="-122"/>
-              <a:ea typeface="宋体" panose="02010600030101010101" pitchFamily="2" charset="-122"/>
+              <a:latin typeface="times" panose="02020603050405020304" pitchFamily="18" charset="0"/>
+              <a:ea typeface="times" panose="02020603050405020304" pitchFamily="18" charset="0"/>
+              <a:cs typeface="times" panose="02020603050405020304" pitchFamily="18" charset="0"/>
             </a:endParaRPr>
           </a:p>
           <a:p>
             <a:r>
               <a:rPr lang="en-US" altLang="zh-CN" sz="2000" dirty="0">
-                <a:latin typeface="宋体" panose="02010600030101010101" pitchFamily="2" charset="-122"/>
-                <a:ea typeface="宋体" panose="02010600030101010101" pitchFamily="2" charset="-122"/>
+                <a:latin typeface="times" panose="02020603050405020304" pitchFamily="18" charset="0"/>
+                <a:ea typeface="times" panose="02020603050405020304" pitchFamily="18" charset="0"/>
+                <a:cs typeface="times" panose="02020603050405020304" pitchFamily="18" charset="0"/>
               </a:rPr>
               <a:t>Q</a:t>
             </a:r>
             <a:r>
               <a:rPr lang="zh-CN" altLang="en-US" sz="2000" dirty="0">
-                <a:latin typeface="宋体" panose="02010600030101010101" pitchFamily="2" charset="-122"/>
+                <a:latin typeface="times" panose="02020603050405020304" pitchFamily="18" charset="0"/>
                 <a:ea typeface="宋体" panose="02010600030101010101" pitchFamily="2" charset="-122"/>
+                <a:cs typeface="times" panose="02020603050405020304" pitchFamily="18" charset="0"/>
               </a:rPr>
               <a:t>值越小，带宽越宽，选择性能越差。 </a:t>
             </a:r>
@@ -19440,7 +19382,7 @@
           <p:nvPr/>
         </p:nvPicPr>
         <p:blipFill>
-          <a:blip r:embed="rId3"/>
+          <a:blip r:embed="rId2"/>
           <a:stretch>
             <a:fillRect/>
           </a:stretch>
@@ -19483,12 +19425,12 @@
           <a:graphicData uri="http://schemas.openxmlformats.org/presentationml/2006/ole">
             <mc:AlternateContent xmlns:mc="http://schemas.openxmlformats.org/markup-compatibility/2006">
               <mc:Choice xmlns:v="urn:schemas-microsoft-com:vml" Requires="v">
-                <p:oleObj spid="_x0000_s11284" name="AxMath" r:id="rId4" imgW="5070600" imgH="921240" progId="Equation.AxMath">
+                <p:oleObj name="AxMath" r:id="rId3" imgW="5070600" imgH="921240" progId="Equation.AxMath">
                   <p:embed/>
                 </p:oleObj>
               </mc:Choice>
               <mc:Fallback>
-                <p:oleObj name="AxMath" r:id="rId4" imgW="5070600" imgH="921240" progId="Equation.AxMath">
+                <p:oleObj name="AxMath" r:id="rId3" imgW="5070600" imgH="921240" progId="Equation.AxMath">
                   <p:embed/>
                   <p:pic>
                     <p:nvPicPr>
@@ -19497,7 +19439,7 @@
                       <p:nvPr/>
                     </p:nvPicPr>
                     <p:blipFill>
-                      <a:blip r:embed="rId5"/>
+                      <a:blip r:embed="rId4"/>
                       <a:stretch>
                         <a:fillRect/>
                       </a:stretch>
@@ -19619,6 +19561,150 @@
           </a:prstGeom>
         </p:spPr>
       </p:pic>
+      <p:graphicFrame>
+        <p:nvGraphicFramePr>
+          <p:cNvPr id="2" name="对象 1">
+            <a:extLst>
+              <a:ext uri="{FF2B5EF4-FFF2-40B4-BE49-F238E27FC236}">
+                <a16:creationId xmlns:a16="http://schemas.microsoft.com/office/drawing/2014/main" id="{1909127C-3BDF-A28E-9E9C-074AB1259F32}"/>
+              </a:ext>
+            </a:extLst>
+          </p:cNvPr>
+          <p:cNvGraphicFramePr>
+            <a:graphicFrameLocks noChangeAspect="1"/>
+          </p:cNvGraphicFramePr>
+          <p:nvPr>
+            <p:extLst>
+              <p:ext uri="{D42A27DB-BD31-4B8C-83A1-F6EECF244321}">
+                <p14:modId xmlns:p14="http://schemas.microsoft.com/office/powerpoint/2010/main" val="888274389"/>
+              </p:ext>
+            </p:extLst>
+          </p:nvPr>
+        </p:nvGraphicFramePr>
+        <p:xfrm>
+          <a:off x="4384921" y="4945649"/>
+          <a:ext cx="246063" cy="269875"/>
+        </p:xfrm>
+        <a:graphic>
+          <a:graphicData uri="http://schemas.openxmlformats.org/presentationml/2006/ole">
+            <mc:AlternateContent xmlns:mc="http://schemas.openxmlformats.org/markup-compatibility/2006">
+              <mc:Choice xmlns:v="urn:schemas-microsoft-com:vml" Requires="v">
+                <p:oleObj name="Equation" r:id="rId3" imgW="139680" imgH="152280" progId="Equation.DSMT4">
+                  <p:embed/>
+                </p:oleObj>
+              </mc:Choice>
+              <mc:Fallback>
+                <p:oleObj name="Equation" r:id="rId3" imgW="139680" imgH="152280" progId="Equation.DSMT4">
+                  <p:embed/>
+                  <p:pic>
+                    <p:nvPicPr>
+                      <p:cNvPr id="5" name="对象 4">
+                        <a:extLst>
+                          <a:ext uri="{FF2B5EF4-FFF2-40B4-BE49-F238E27FC236}">
+                            <a16:creationId xmlns:a16="http://schemas.microsoft.com/office/drawing/2014/main" id="{56CC1049-D4E8-A28C-83E4-61C00C141F4C}"/>
+                          </a:ext>
+                        </a:extLst>
+                      </p:cNvPr>
+                      <p:cNvPicPr/>
+                      <p:nvPr/>
+                    </p:nvPicPr>
+                    <p:blipFill>
+                      <a:blip r:embed="rId4"/>
+                      <a:stretch>
+                        <a:fillRect/>
+                      </a:stretch>
+                    </p:blipFill>
+                    <p:spPr>
+                      <a:xfrm>
+                        <a:off x="4384921" y="4945649"/>
+                        <a:ext cx="246063" cy="269875"/>
+                      </a:xfrm>
+                      <a:prstGeom prst="rect">
+                        <a:avLst/>
+                      </a:prstGeom>
+                      <a:solidFill>
+                        <a:srgbClr val="FFFFFF"/>
+                      </a:solidFill>
+                    </p:spPr>
+                  </p:pic>
+                </p:oleObj>
+              </mc:Fallback>
+            </mc:AlternateContent>
+          </a:graphicData>
+        </a:graphic>
+      </p:graphicFrame>
+      <p:graphicFrame>
+        <p:nvGraphicFramePr>
+          <p:cNvPr id="3" name="对象 2">
+            <a:extLst>
+              <a:ext uri="{FF2B5EF4-FFF2-40B4-BE49-F238E27FC236}">
+                <a16:creationId xmlns:a16="http://schemas.microsoft.com/office/drawing/2014/main" id="{F06237E1-04A6-78C8-E560-73E0C0C216A0}"/>
+              </a:ext>
+            </a:extLst>
+          </p:cNvPr>
+          <p:cNvGraphicFramePr>
+            <a:graphicFrameLocks noChangeAspect="1"/>
+          </p:cNvGraphicFramePr>
+          <p:nvPr>
+            <p:extLst>
+              <p:ext uri="{D42A27DB-BD31-4B8C-83A1-F6EECF244321}">
+                <p14:modId xmlns:p14="http://schemas.microsoft.com/office/powerpoint/2010/main" val="2935336"/>
+              </p:ext>
+            </p:extLst>
+          </p:nvPr>
+        </p:nvGraphicFramePr>
+        <p:xfrm>
+          <a:off x="4384922" y="5245856"/>
+          <a:ext cx="246063" cy="269875"/>
+        </p:xfrm>
+        <a:graphic>
+          <a:graphicData uri="http://schemas.openxmlformats.org/presentationml/2006/ole">
+            <mc:AlternateContent xmlns:mc="http://schemas.openxmlformats.org/markup-compatibility/2006">
+              <mc:Choice xmlns:v="urn:schemas-microsoft-com:vml" Requires="v">
+                <p:oleObj name="Equation" r:id="rId5" imgW="139680" imgH="152280" progId="Equation.DSMT4">
+                  <p:embed/>
+                </p:oleObj>
+              </mc:Choice>
+              <mc:Fallback>
+                <p:oleObj name="Equation" r:id="rId5" imgW="139680" imgH="152280" progId="Equation.DSMT4">
+                  <p:embed/>
+                  <p:pic>
+                    <p:nvPicPr>
+                      <p:cNvPr id="6" name="对象 5">
+                        <a:extLst>
+                          <a:ext uri="{FF2B5EF4-FFF2-40B4-BE49-F238E27FC236}">
+                            <a16:creationId xmlns:a16="http://schemas.microsoft.com/office/drawing/2014/main" id="{32F18A20-A232-CF8F-6C4F-F901D3388D4C}"/>
+                          </a:ext>
+                        </a:extLst>
+                      </p:cNvPr>
+                      <p:cNvPicPr/>
+                      <p:nvPr/>
+                    </p:nvPicPr>
+                    <p:blipFill>
+                      <a:blip r:embed="rId4"/>
+                      <a:stretch>
+                        <a:fillRect/>
+                      </a:stretch>
+                    </p:blipFill>
+                    <p:spPr>
+                      <a:xfrm>
+                        <a:off x="4384922" y="5245856"/>
+                        <a:ext cx="246063" cy="269875"/>
+                      </a:xfrm>
+                      <a:prstGeom prst="rect">
+                        <a:avLst/>
+                      </a:prstGeom>
+                      <a:solidFill>
+                        <a:srgbClr val="FFFFFF"/>
+                      </a:solidFill>
+                    </p:spPr>
+                  </p:pic>
+                </p:oleObj>
+              </mc:Fallback>
+            </mc:AlternateContent>
+          </a:graphicData>
+        </a:graphic>
+      </p:graphicFrame>
     </p:spTree>
     <p:extLst>
       <p:ext uri="{BB962C8B-B14F-4D97-AF65-F5344CB8AC3E}">
@@ -19817,6 +19903,138 @@
           </a:prstGeom>
         </p:spPr>
       </p:pic>
+      <p:pic>
+        <p:nvPicPr>
+          <p:cNvPr id="2" name="图片 1">
+            <a:extLst>
+              <a:ext uri="{FF2B5EF4-FFF2-40B4-BE49-F238E27FC236}">
+                <a16:creationId xmlns:a16="http://schemas.microsoft.com/office/drawing/2014/main" id="{8E0039AA-1CCD-87CD-4118-F1746D417C8A}"/>
+              </a:ext>
+            </a:extLst>
+          </p:cNvPr>
+          <p:cNvPicPr>
+            <a:picLocks noChangeAspect="1"/>
+          </p:cNvPicPr>
+          <p:nvPr/>
+        </p:nvPicPr>
+        <p:blipFill>
+          <a:blip r:embed="rId3"/>
+          <a:stretch>
+            <a:fillRect/>
+          </a:stretch>
+        </p:blipFill>
+        <p:spPr>
+          <a:xfrm>
+            <a:off x="3185880" y="5621594"/>
+            <a:ext cx="2034190" cy="1195203"/>
+          </a:xfrm>
+          <a:prstGeom prst="rect">
+            <a:avLst/>
+          </a:prstGeom>
+        </p:spPr>
+      </p:pic>
+      <p:pic>
+        <p:nvPicPr>
+          <p:cNvPr id="4" name="图片 3">
+            <a:extLst>
+              <a:ext uri="{FF2B5EF4-FFF2-40B4-BE49-F238E27FC236}">
+                <a16:creationId xmlns:a16="http://schemas.microsoft.com/office/drawing/2014/main" id="{E50E6D06-80C7-E904-F061-0F94874B5248}"/>
+              </a:ext>
+            </a:extLst>
+          </p:cNvPr>
+          <p:cNvPicPr>
+            <a:picLocks noChangeAspect="1"/>
+          </p:cNvPicPr>
+          <p:nvPr/>
+        </p:nvPicPr>
+        <p:blipFill>
+          <a:blip r:embed="rId4"/>
+          <a:stretch>
+            <a:fillRect/>
+          </a:stretch>
+        </p:blipFill>
+        <p:spPr>
+          <a:xfrm>
+            <a:off x="6251523" y="5621593"/>
+            <a:ext cx="2080718" cy="1195203"/>
+          </a:xfrm>
+          <a:prstGeom prst="rect">
+            <a:avLst/>
+          </a:prstGeom>
+        </p:spPr>
+      </p:pic>
+      <p:graphicFrame>
+        <p:nvGraphicFramePr>
+          <p:cNvPr id="7" name="对象 6">
+            <a:extLst>
+              <a:ext uri="{FF2B5EF4-FFF2-40B4-BE49-F238E27FC236}">
+                <a16:creationId xmlns:a16="http://schemas.microsoft.com/office/drawing/2014/main" id="{9324B2DE-529E-BB54-2677-7C89246E2BF5}"/>
+              </a:ext>
+            </a:extLst>
+          </p:cNvPr>
+          <p:cNvGraphicFramePr>
+            <a:graphicFrameLocks noChangeAspect="1"/>
+          </p:cNvGraphicFramePr>
+          <p:nvPr>
+            <p:extLst>
+              <p:ext uri="{D42A27DB-BD31-4B8C-83A1-F6EECF244321}">
+                <p14:modId xmlns:p14="http://schemas.microsoft.com/office/powerpoint/2010/main" val="3656402457"/>
+              </p:ext>
+            </p:extLst>
+          </p:nvPr>
+        </p:nvGraphicFramePr>
+        <p:xfrm>
+          <a:off x="7053263" y="3330575"/>
+          <a:ext cx="207962" cy="398463"/>
+        </p:xfrm>
+        <a:graphic>
+          <a:graphicData uri="http://schemas.openxmlformats.org/presentationml/2006/ole">
+            <mc:AlternateContent xmlns:mc="http://schemas.openxmlformats.org/markup-compatibility/2006">
+              <mc:Choice xmlns:v="urn:schemas-microsoft-com:vml" Requires="v">
+                <p:oleObj name="Equation" r:id="rId5" imgW="203040" imgH="380880" progId="Equation.DSMT4">
+                  <p:embed/>
+                </p:oleObj>
+              </mc:Choice>
+              <mc:Fallback>
+                <p:oleObj name="Equation" r:id="rId5" imgW="203040" imgH="380880" progId="Equation.DSMT4">
+                  <p:embed/>
+                  <p:pic>
+                    <p:nvPicPr>
+                      <p:cNvPr id="2" name="对象 1">
+                        <a:extLst>
+                          <a:ext uri="{FF2B5EF4-FFF2-40B4-BE49-F238E27FC236}">
+                            <a16:creationId xmlns:a16="http://schemas.microsoft.com/office/drawing/2014/main" id="{1909127C-3BDF-A28E-9E9C-074AB1259F32}"/>
+                          </a:ext>
+                        </a:extLst>
+                      </p:cNvPr>
+                      <p:cNvPicPr/>
+                      <p:nvPr/>
+                    </p:nvPicPr>
+                    <p:blipFill>
+                      <a:blip r:embed="rId6"/>
+                      <a:stretch>
+                        <a:fillRect/>
+                      </a:stretch>
+                    </p:blipFill>
+                    <p:spPr>
+                      <a:xfrm>
+                        <a:off x="7053263" y="3330575"/>
+                        <a:ext cx="207962" cy="398463"/>
+                      </a:xfrm>
+                      <a:prstGeom prst="rect">
+                        <a:avLst/>
+                      </a:prstGeom>
+                      <a:solidFill>
+                        <a:srgbClr val="FFFFFF"/>
+                      </a:solidFill>
+                    </p:spPr>
+                  </p:pic>
+                </p:oleObj>
+              </mc:Fallback>
+            </mc:AlternateContent>
+          </a:graphicData>
+        </a:graphic>
+      </p:graphicFrame>
     </p:spTree>
     <p:extLst>
       <p:ext uri="{BB962C8B-B14F-4D97-AF65-F5344CB8AC3E}">
@@ -21126,12 +21344,12 @@
             <a:graphicData uri="http://schemas.openxmlformats.org/presentationml/2006/ole">
               <mc:AlternateContent xmlns:mc="http://schemas.openxmlformats.org/markup-compatibility/2006">
                 <mc:Choice xmlns:v="urn:schemas-microsoft-com:vml" Requires="v">
-                  <p:oleObj spid="_x0000_s8289" name="Equation" r:id="rId3" imgW="177646" imgH="241091" progId="Equation.3">
+                  <p:oleObj name="Equation" r:id="rId2" imgW="177646" imgH="241091" progId="Equation.3">
                     <p:embed/>
                   </p:oleObj>
                 </mc:Choice>
                 <mc:Fallback>
-                  <p:oleObj name="Equation" r:id="rId3" imgW="177646" imgH="241091" progId="Equation.3">
+                  <p:oleObj name="Equation" r:id="rId2" imgW="177646" imgH="241091" progId="Equation.3">
                     <p:embed/>
                     <p:pic>
                       <p:nvPicPr>
@@ -21148,7 +21366,7 @@
                         <p:nvPr/>
                       </p:nvPicPr>
                       <p:blipFill>
-                        <a:blip r:embed="rId4">
+                        <a:blip r:embed="rId3">
                           <a:extLst>
                             <a:ext uri="{28A0092B-C50C-407E-A947-70E740481C1C}">
                               <a14:useLocalDpi xmlns:a14="http://schemas.microsoft.com/office/drawing/2010/main" val="0"/>
@@ -22602,12 +22820,12 @@
             <a:graphicData uri="http://schemas.openxmlformats.org/presentationml/2006/ole">
               <mc:AlternateContent xmlns:mc="http://schemas.openxmlformats.org/markup-compatibility/2006">
                 <mc:Choice xmlns:v="urn:schemas-microsoft-com:vml" Requires="v">
-                  <p:oleObj spid="_x0000_s8290" name="Equation" r:id="rId5" imgW="164957" imgH="203024" progId="Equation.3">
+                  <p:oleObj name="Equation" r:id="rId4" imgW="164957" imgH="203024" progId="Equation.3">
                     <p:embed/>
                   </p:oleObj>
                 </mc:Choice>
                 <mc:Fallback>
-                  <p:oleObj name="Equation" r:id="rId5" imgW="164957" imgH="203024" progId="Equation.3">
+                  <p:oleObj name="Equation" r:id="rId4" imgW="164957" imgH="203024" progId="Equation.3">
                     <p:embed/>
                     <p:pic>
                       <p:nvPicPr>
@@ -22624,7 +22842,7 @@
                         <p:nvPr/>
                       </p:nvPicPr>
                       <p:blipFill>
-                        <a:blip r:embed="rId6">
+                        <a:blip r:embed="rId5">
                           <a:extLst>
                             <a:ext uri="{28A0092B-C50C-407E-A947-70E740481C1C}">
                               <a14:useLocalDpi xmlns:a14="http://schemas.microsoft.com/office/drawing/2010/main" val="0"/>
@@ -22753,25 +22971,25 @@
           <p:nvPr>
             <p:extLst>
               <p:ext uri="{D42A27DB-BD31-4B8C-83A1-F6EECF244321}">
-                <p14:modId xmlns:p14="http://schemas.microsoft.com/office/powerpoint/2010/main" val="1891260405"/>
+                <p14:modId xmlns:p14="http://schemas.microsoft.com/office/powerpoint/2010/main" val="1831630815"/>
               </p:ext>
             </p:extLst>
           </p:nvPr>
         </p:nvGraphicFramePr>
         <p:xfrm>
-          <a:off x="5194241" y="1747838"/>
+          <a:off x="5187200" y="2593181"/>
           <a:ext cx="2581275" cy="700087"/>
         </p:xfrm>
         <a:graphic>
           <a:graphicData uri="http://schemas.openxmlformats.org/presentationml/2006/ole">
             <mc:AlternateContent xmlns:mc="http://schemas.openxmlformats.org/markup-compatibility/2006">
               <mc:Choice xmlns:v="urn:schemas-microsoft-com:vml" Requires="v">
-                <p:oleObj spid="_x0000_s8291" name="Equation" r:id="rId7" imgW="2581753" imgH="699505" progId="Equation.DSMT4">
+                <p:oleObj name="Equation" r:id="rId6" imgW="2581753" imgH="699505" progId="Equation.DSMT4">
                   <p:embed/>
                 </p:oleObj>
               </mc:Choice>
               <mc:Fallback>
-                <p:oleObj name="Equation" r:id="rId7" imgW="2581753" imgH="699505" progId="Equation.DSMT4">
+                <p:oleObj name="Equation" r:id="rId6" imgW="2581753" imgH="699505" progId="Equation.DSMT4">
                   <p:embed/>
                   <p:pic>
                     <p:nvPicPr>
@@ -22780,14 +22998,14 @@
                       <p:nvPr/>
                     </p:nvPicPr>
                     <p:blipFill>
-                      <a:blip r:embed="rId8"/>
+                      <a:blip r:embed="rId7"/>
                       <a:stretch>
                         <a:fillRect/>
                       </a:stretch>
                     </p:blipFill>
                     <p:spPr>
                       <a:xfrm>
-                        <a:off x="5194241" y="1747838"/>
+                        <a:off x="5187200" y="2593181"/>
                         <a:ext cx="2581275" cy="700087"/>
                       </a:xfrm>
                       <a:prstGeom prst="rect">
@@ -22817,7 +23035,7 @@
         </p:nvSpPr>
         <p:spPr bwMode="auto">
           <a:xfrm>
-            <a:off x="4714161" y="2707916"/>
+            <a:off x="4707120" y="3553259"/>
             <a:ext cx="1806905" cy="457200"/>
           </a:xfrm>
           <a:prstGeom prst="rect">
@@ -23011,25 +23229,25 @@
           <p:nvPr>
             <p:extLst>
               <p:ext uri="{D42A27DB-BD31-4B8C-83A1-F6EECF244321}">
-                <p14:modId xmlns:p14="http://schemas.microsoft.com/office/powerpoint/2010/main" val="1246778432"/>
+                <p14:modId xmlns:p14="http://schemas.microsoft.com/office/powerpoint/2010/main" val="2721540984"/>
               </p:ext>
             </p:extLst>
           </p:nvPr>
         </p:nvGraphicFramePr>
         <p:xfrm>
-          <a:off x="6852750" y="2575718"/>
+          <a:off x="6845709" y="3421061"/>
           <a:ext cx="1354138" cy="735013"/>
         </p:xfrm>
         <a:graphic>
           <a:graphicData uri="http://schemas.openxmlformats.org/presentationml/2006/ole">
             <mc:AlternateContent xmlns:mc="http://schemas.openxmlformats.org/markup-compatibility/2006">
               <mc:Choice xmlns:v="urn:schemas-microsoft-com:vml" Requires="v">
-                <p:oleObj spid="_x0000_s8292" name="公式" r:id="rId9" imgW="723586" imgH="393529" progId="Equation.3">
+                <p:oleObj name="公式" r:id="rId8" imgW="723586" imgH="393529" progId="Equation.3">
                   <p:embed/>
                 </p:oleObj>
               </mc:Choice>
               <mc:Fallback>
-                <p:oleObj name="公式" r:id="rId9" imgW="723586" imgH="393529" progId="Equation.3">
+                <p:oleObj name="公式" r:id="rId8" imgW="723586" imgH="393529" progId="Equation.3">
                   <p:embed/>
                   <p:pic>
                     <p:nvPicPr>
@@ -23046,7 +23264,7 @@
                       <p:nvPr/>
                     </p:nvPicPr>
                     <p:blipFill>
-                      <a:blip r:embed="rId10">
+                      <a:blip r:embed="rId9">
                         <a:extLst>
                           <a:ext uri="{28A0092B-C50C-407E-A947-70E740481C1C}">
                             <a14:useLocalDpi xmlns:a14="http://schemas.microsoft.com/office/drawing/2010/main" val="0"/>
@@ -23060,7 +23278,7 @@
                     </p:blipFill>
                     <p:spPr bwMode="auto">
                       <a:xfrm>
-                        <a:off x="6852750" y="2575718"/>
+                        <a:off x="6845709" y="3421061"/>
                         <a:ext cx="1354138" cy="735013"/>
                       </a:xfrm>
                       <a:prstGeom prst="rect">
@@ -23113,12 +23331,12 @@
           <a:graphicData uri="http://schemas.openxmlformats.org/presentationml/2006/ole">
             <mc:AlternateContent xmlns:mc="http://schemas.openxmlformats.org/markup-compatibility/2006">
               <mc:Choice xmlns:v="urn:schemas-microsoft-com:vml" Requires="v">
-                <p:oleObj spid="_x0000_s8293" name="Equation" r:id="rId11" imgW="2412720" imgH="888840" progId="Equation.DSMT4">
+                <p:oleObj name="Equation" r:id="rId10" imgW="2412720" imgH="888840" progId="Equation.DSMT4">
                   <p:embed/>
                 </p:oleObj>
               </mc:Choice>
               <mc:Fallback>
-                <p:oleObj name="Equation" r:id="rId11" imgW="2412720" imgH="888840" progId="Equation.DSMT4">
+                <p:oleObj name="Equation" r:id="rId10" imgW="2412720" imgH="888840" progId="Equation.DSMT4">
                   <p:embed/>
                   <p:pic>
                     <p:nvPicPr>
@@ -23127,7 +23345,7 @@
                       <p:nvPr/>
                     </p:nvPicPr>
                     <p:blipFill>
-                      <a:blip r:embed="rId12"/>
+                      <a:blip r:embed="rId11"/>
                       <a:stretch>
                         <a:fillRect/>
                       </a:stretch>
@@ -23136,6 +23354,144 @@
                       <a:xfrm>
                         <a:off x="632258" y="4155716"/>
                         <a:ext cx="4415055" cy="1626599"/>
+                      </a:xfrm>
+                      <a:prstGeom prst="rect">
+                        <a:avLst/>
+                      </a:prstGeom>
+                    </p:spPr>
+                  </p:pic>
+                </p:oleObj>
+              </mc:Fallback>
+            </mc:AlternateContent>
+          </a:graphicData>
+        </a:graphic>
+      </p:graphicFrame>
+      <p:graphicFrame>
+        <p:nvGraphicFramePr>
+          <p:cNvPr id="36" name="对象 35">
+            <a:extLst>
+              <a:ext uri="{FF2B5EF4-FFF2-40B4-BE49-F238E27FC236}">
+                <a16:creationId xmlns:a16="http://schemas.microsoft.com/office/drawing/2014/main" id="{EB4DE3F5-A397-5909-5B3A-C3371AFB2770}"/>
+              </a:ext>
+            </a:extLst>
+          </p:cNvPr>
+          <p:cNvGraphicFramePr>
+            <a:graphicFrameLocks noChangeAspect="1"/>
+          </p:cNvGraphicFramePr>
+          <p:nvPr>
+            <p:extLst>
+              <p:ext uri="{D42A27DB-BD31-4B8C-83A1-F6EECF244321}">
+                <p14:modId xmlns:p14="http://schemas.microsoft.com/office/powerpoint/2010/main" val="761173245"/>
+              </p:ext>
+            </p:extLst>
+          </p:nvPr>
+        </p:nvGraphicFramePr>
+        <p:xfrm>
+          <a:off x="4836159" y="1226206"/>
+          <a:ext cx="3240003" cy="689807"/>
+        </p:xfrm>
+        <a:graphic>
+          <a:graphicData uri="http://schemas.openxmlformats.org/presentationml/2006/ole">
+            <mc:AlternateContent xmlns:mc="http://schemas.openxmlformats.org/markup-compatibility/2006">
+              <mc:Choice xmlns:v="urn:schemas-microsoft-com:vml" Requires="v">
+                <p:oleObj name="Equation" r:id="rId12" imgW="1968480" imgH="419040" progId="Equation.DSMT4">
+                  <p:embed/>
+                </p:oleObj>
+              </mc:Choice>
+              <mc:Fallback>
+                <p:oleObj name="Equation" r:id="rId12" imgW="1968480" imgH="419040" progId="Equation.DSMT4">
+                  <p:embed/>
+                  <p:pic>
+                    <p:nvPicPr>
+                      <p:cNvPr id="2" name="对象 1">
+                        <a:extLst>
+                          <a:ext uri="{FF2B5EF4-FFF2-40B4-BE49-F238E27FC236}">
+                            <a16:creationId xmlns:a16="http://schemas.microsoft.com/office/drawing/2014/main" id="{96BF78F9-7C8F-4241-B047-D9DCBC008E14}"/>
+                          </a:ext>
+                        </a:extLst>
+                      </p:cNvPr>
+                      <p:cNvPicPr/>
+                      <p:nvPr/>
+                    </p:nvPicPr>
+                    <p:blipFill>
+                      <a:blip r:embed="rId13"/>
+                      <a:stretch>
+                        <a:fillRect/>
+                      </a:stretch>
+                    </p:blipFill>
+                    <p:spPr>
+                      <a:xfrm>
+                        <a:off x="4836159" y="1226206"/>
+                        <a:ext cx="3240003" cy="689807"/>
+                      </a:xfrm>
+                      <a:prstGeom prst="rect">
+                        <a:avLst/>
+                      </a:prstGeom>
+                    </p:spPr>
+                  </p:pic>
+                </p:oleObj>
+              </mc:Fallback>
+            </mc:AlternateContent>
+          </a:graphicData>
+        </a:graphic>
+      </p:graphicFrame>
+      <p:graphicFrame>
+        <p:nvGraphicFramePr>
+          <p:cNvPr id="37" name="对象 36">
+            <a:extLst>
+              <a:ext uri="{FF2B5EF4-FFF2-40B4-BE49-F238E27FC236}">
+                <a16:creationId xmlns:a16="http://schemas.microsoft.com/office/drawing/2014/main" id="{55FBD85B-9525-75BD-D37A-D18E1D7D8CA8}"/>
+              </a:ext>
+            </a:extLst>
+          </p:cNvPr>
+          <p:cNvGraphicFramePr>
+            <a:graphicFrameLocks noChangeAspect="1"/>
+          </p:cNvGraphicFramePr>
+          <p:nvPr>
+            <p:extLst>
+              <p:ext uri="{D42A27DB-BD31-4B8C-83A1-F6EECF244321}">
+                <p14:modId xmlns:p14="http://schemas.microsoft.com/office/powerpoint/2010/main" val="951496246"/>
+              </p:ext>
+            </p:extLst>
+          </p:nvPr>
+        </p:nvGraphicFramePr>
+        <p:xfrm>
+          <a:off x="4836159" y="1905179"/>
+          <a:ext cx="3511550" cy="649288"/>
+        </p:xfrm>
+        <a:graphic>
+          <a:graphicData uri="http://schemas.openxmlformats.org/presentationml/2006/ole">
+            <mc:AlternateContent xmlns:mc="http://schemas.openxmlformats.org/markup-compatibility/2006">
+              <mc:Choice xmlns:v="urn:schemas-microsoft-com:vml" Requires="v">
+                <p:oleObj name="Equation" r:id="rId14" imgW="2133360" imgH="393480" progId="Equation.DSMT4">
+                  <p:embed/>
+                </p:oleObj>
+              </mc:Choice>
+              <mc:Fallback>
+                <p:oleObj name="Equation" r:id="rId14" imgW="2133360" imgH="393480" progId="Equation.DSMT4">
+                  <p:embed/>
+                  <p:pic>
+                    <p:nvPicPr>
+                      <p:cNvPr id="36" name="对象 35">
+                        <a:extLst>
+                          <a:ext uri="{FF2B5EF4-FFF2-40B4-BE49-F238E27FC236}">
+                            <a16:creationId xmlns:a16="http://schemas.microsoft.com/office/drawing/2014/main" id="{EB4DE3F5-A397-5909-5B3A-C3371AFB2770}"/>
+                          </a:ext>
+                        </a:extLst>
+                      </p:cNvPr>
+                      <p:cNvPicPr/>
+                      <p:nvPr/>
+                    </p:nvPicPr>
+                    <p:blipFill>
+                      <a:blip r:embed="rId15"/>
+                      <a:stretch>
+                        <a:fillRect/>
+                      </a:stretch>
+                    </p:blipFill>
+                    <p:spPr>
+                      <a:xfrm>
+                        <a:off x="4836159" y="1905179"/>
+                        <a:ext cx="3511550" cy="649288"/>
                       </a:xfrm>
                       <a:prstGeom prst="rect">
                         <a:avLst/>
@@ -23268,7 +23624,7 @@
           <p:nvPr>
             <p:extLst>
               <p:ext uri="{D42A27DB-BD31-4B8C-83A1-F6EECF244321}">
-                <p14:modId xmlns:p14="http://schemas.microsoft.com/office/powerpoint/2010/main" val="367079420"/>
+                <p14:modId xmlns:p14="http://schemas.microsoft.com/office/powerpoint/2010/main" val="1197713339"/>
               </p:ext>
             </p:extLst>
           </p:nvPr>
@@ -23281,12 +23637,12 @@
           <a:graphicData uri="http://schemas.openxmlformats.org/presentationml/2006/ole">
             <mc:AlternateContent xmlns:mc="http://schemas.openxmlformats.org/markup-compatibility/2006">
               <mc:Choice xmlns:v="urn:schemas-microsoft-com:vml" Requires="v">
-                <p:oleObj spid="_x0000_s9236" name="Equation" r:id="rId3" imgW="1523880" imgH="1714320" progId="Equation.DSMT4">
+                <p:oleObj name="Equation" r:id="rId2" imgW="1523880" imgH="1714320" progId="Equation.DSMT4">
                   <p:embed/>
                 </p:oleObj>
               </mc:Choice>
               <mc:Fallback>
-                <p:oleObj name="Equation" r:id="rId3" imgW="1523880" imgH="1714320" progId="Equation.DSMT4">
+                <p:oleObj name="Equation" r:id="rId2" imgW="1523880" imgH="1714320" progId="Equation.DSMT4">
                   <p:embed/>
                   <p:pic>
                     <p:nvPicPr>
@@ -23295,7 +23651,7 @@
                       <p:nvPr/>
                     </p:nvPicPr>
                     <p:blipFill>
-                      <a:blip r:embed="rId4"/>
+                      <a:blip r:embed="rId3"/>
                       <a:stretch>
                         <a:fillRect/>
                       </a:stretch>
@@ -23331,7 +23687,7 @@
         <p:spPr>
           <a:xfrm>
             <a:off x="4572000" y="2348999"/>
-            <a:ext cx="3240003" cy="461665"/>
+            <a:ext cx="3240003" cy="830997"/>
           </a:xfrm>
           <a:prstGeom prst="rect">
             <a:avLst/>
@@ -23351,7 +23707,7 @@
           <a:p>
             <a:r>
               <a:rPr lang="zh-CN" altLang="en-US" sz="2400" dirty="0"/>
-              <a:t>呈纯阻性，导纳模最小</a:t>
+              <a:t>呈纯阻性，电容电感导纳相消，导纳模最小</a:t>
             </a:r>
           </a:p>
         </p:txBody>
@@ -23563,7 +23919,7 @@
                 <a:latin typeface="宋体" panose="02010600030101010101" pitchFamily="2" charset="-122"/>
                 <a:ea typeface="宋体" panose="02010600030101010101" pitchFamily="2" charset="-122"/>
               </a:rPr>
-              <a:t>谐振时的电压</a:t>
+              <a:t>谐振时的电流</a:t>
             </a:r>
           </a:p>
         </p:txBody>
@@ -24283,7 +24639,7 @@
         </p:nvSpPr>
         <p:spPr>
           <a:xfrm>
-            <a:off x="737239" y="5495492"/>
+            <a:off x="737239" y="5329318"/>
             <a:ext cx="7356906" cy="707886"/>
           </a:xfrm>
           <a:prstGeom prst="rect">
@@ -24429,12 +24785,12 @@
           <a:graphicData uri="http://schemas.openxmlformats.org/presentationml/2006/ole">
             <mc:AlternateContent xmlns:mc="http://schemas.openxmlformats.org/markup-compatibility/2006">
               <mc:Choice xmlns:v="urn:schemas-microsoft-com:vml" Requires="v">
-                <p:oleObj spid="_x0000_s3099" name="Equation" r:id="rId3" imgW="1562040" imgH="545760" progId="Equation.DSMT4">
+                <p:oleObj name="Equation" r:id="rId2" imgW="1562040" imgH="545760" progId="Equation.DSMT4">
                   <p:embed/>
                 </p:oleObj>
               </mc:Choice>
               <mc:Fallback>
-                <p:oleObj name="Equation" r:id="rId3" imgW="1562040" imgH="545760" progId="Equation.DSMT4">
+                <p:oleObj name="Equation" r:id="rId2" imgW="1562040" imgH="545760" progId="Equation.DSMT4">
                   <p:embed/>
                   <p:pic>
                     <p:nvPicPr>
@@ -24443,7 +24799,7 @@
                       <p:nvPr/>
                     </p:nvPicPr>
                     <p:blipFill>
-                      <a:blip r:embed="rId4"/>
+                      <a:blip r:embed="rId3"/>
                       <a:stretch>
                         <a:fillRect/>
                       </a:stretch>
@@ -24479,7 +24835,7 @@
           <p:nvPr/>
         </p:nvPicPr>
         <p:blipFill>
-          <a:blip r:embed="rId5"/>
+          <a:blip r:embed="rId4"/>
           <a:stretch>
             <a:fillRect/>
           </a:stretch>
@@ -24508,7 +24864,7 @@
         </p:nvSpPr>
         <p:spPr>
           <a:xfrm>
-            <a:off x="737239" y="5495492"/>
+            <a:off x="737239" y="6088974"/>
             <a:ext cx="7356906" cy="707886"/>
           </a:xfrm>
           <a:prstGeom prst="rect">
@@ -24706,6 +25062,78 @@
           </a:prstGeom>
         </p:spPr>
       </p:pic>
+      <p:graphicFrame>
+        <p:nvGraphicFramePr>
+          <p:cNvPr id="2" name="对象 1">
+            <a:extLst>
+              <a:ext uri="{FF2B5EF4-FFF2-40B4-BE49-F238E27FC236}">
+                <a16:creationId xmlns:a16="http://schemas.microsoft.com/office/drawing/2014/main" id="{6019BC5F-A6C1-AED9-215B-7237DCE12EE3}"/>
+              </a:ext>
+            </a:extLst>
+          </p:cNvPr>
+          <p:cNvGraphicFramePr>
+            <a:graphicFrameLocks noChangeAspect="1"/>
+          </p:cNvGraphicFramePr>
+          <p:nvPr>
+            <p:extLst>
+              <p:ext uri="{D42A27DB-BD31-4B8C-83A1-F6EECF244321}">
+                <p14:modId xmlns:p14="http://schemas.microsoft.com/office/powerpoint/2010/main" val="2653786523"/>
+              </p:ext>
+            </p:extLst>
+          </p:nvPr>
+        </p:nvGraphicFramePr>
+        <p:xfrm>
+          <a:off x="809759" y="1857509"/>
+          <a:ext cx="180340" cy="319547"/>
+        </p:xfrm>
+        <a:graphic>
+          <a:graphicData uri="http://schemas.openxmlformats.org/presentationml/2006/ole">
+            <mc:AlternateContent xmlns:mc="http://schemas.openxmlformats.org/markup-compatibility/2006">
+              <mc:Choice xmlns:v="urn:schemas-microsoft-com:vml" Requires="v">
+                <p:oleObj name="Equation" r:id="rId3" imgW="88560" imgH="152280" progId="Equation.DSMT4">
+                  <p:embed/>
+                </p:oleObj>
+              </mc:Choice>
+              <mc:Fallback>
+                <p:oleObj name="Equation" r:id="rId3" imgW="88560" imgH="152280" progId="Equation.DSMT4">
+                  <p:embed/>
+                  <p:pic>
+                    <p:nvPicPr>
+                      <p:cNvPr id="7" name="对象 6">
+                        <a:extLst>
+                          <a:ext uri="{FF2B5EF4-FFF2-40B4-BE49-F238E27FC236}">
+                            <a16:creationId xmlns:a16="http://schemas.microsoft.com/office/drawing/2014/main" id="{9324B2DE-529E-BB54-2677-7C89246E2BF5}"/>
+                          </a:ext>
+                        </a:extLst>
+                      </p:cNvPr>
+                      <p:cNvPicPr/>
+                      <p:nvPr/>
+                    </p:nvPicPr>
+                    <p:blipFill>
+                      <a:blip r:embed="rId4"/>
+                      <a:stretch>
+                        <a:fillRect/>
+                      </a:stretch>
+                    </p:blipFill>
+                    <p:spPr>
+                      <a:xfrm>
+                        <a:off x="809759" y="1857509"/>
+                        <a:ext cx="180340" cy="319547"/>
+                      </a:xfrm>
+                      <a:prstGeom prst="rect">
+                        <a:avLst/>
+                      </a:prstGeom>
+                      <a:solidFill>
+                        <a:srgbClr val="FFFFFF"/>
+                      </a:solidFill>
+                    </p:spPr>
+                  </p:pic>
+                </p:oleObj>
+              </mc:Fallback>
+            </mc:AlternateContent>
+          </a:graphicData>
+        </a:graphic>
+      </p:graphicFrame>
     </p:spTree>
     <p:extLst>
       <p:ext uri="{BB962C8B-B14F-4D97-AF65-F5344CB8AC3E}">
@@ -24986,7 +25414,7 @@
           <p:nvPr/>
         </p:nvPicPr>
         <p:blipFill>
-          <a:blip r:embed="rId3"/>
+          <a:blip r:embed="rId2"/>
           <a:stretch>
             <a:fillRect/>
           </a:stretch>
@@ -25029,12 +25457,12 @@
           <a:graphicData uri="http://schemas.openxmlformats.org/presentationml/2006/ole">
             <mc:AlternateContent xmlns:mc="http://schemas.openxmlformats.org/markup-compatibility/2006">
               <mc:Choice xmlns:v="urn:schemas-microsoft-com:vml" Requires="v">
-                <p:oleObj spid="_x0000_s13331" name="AxMath" r:id="rId4" imgW="5195880" imgH="921960" progId="Equation.AxMath">
+                <p:oleObj name="Equation" r:id="rId3" imgW="5195880" imgH="921960" progId="Equation.DSMT4">
                   <p:embed/>
                 </p:oleObj>
               </mc:Choice>
               <mc:Fallback>
-                <p:oleObj name="AxMath" r:id="rId4" imgW="5195880" imgH="921960" progId="Equation.AxMath">
+                <p:oleObj name="Equation" r:id="rId3" imgW="5195880" imgH="921960" progId="Equation.DSMT4">
                   <p:embed/>
                   <p:pic>
                     <p:nvPicPr>
@@ -25043,7 +25471,7 @@
                       <p:nvPr/>
                     </p:nvPicPr>
                     <p:blipFill>
-                      <a:blip r:embed="rId5"/>
+                      <a:blip r:embed="rId4"/>
                       <a:stretch>
                         <a:fillRect/>
                       </a:stretch>
@@ -25556,7 +25984,7 @@
             <a:pPr algn="r"/>
             <a:r>
               <a:rPr lang="en-US" altLang="zh-CN" dirty="0"/>
-              <a:t>2022.7</a:t>
+              <a:t>2022.8</a:t>
             </a:r>
             <a:endParaRPr lang="zh-CN" altLang="en-US" dirty="0"/>
           </a:p>
@@ -25703,12 +26131,12 @@
           <a:graphicData uri="http://schemas.openxmlformats.org/presentationml/2006/ole">
             <mc:AlternateContent xmlns:mc="http://schemas.openxmlformats.org/markup-compatibility/2006">
               <mc:Choice xmlns:v="urn:schemas-microsoft-com:vml" Requires="v">
-                <p:oleObj spid="_x0000_s4207" name="Equation" r:id="rId3" imgW="1549080" imgH="253800" progId="Equation.DSMT4">
+                <p:oleObj name="Equation" r:id="rId2" imgW="1549080" imgH="253800" progId="Equation.DSMT4">
                   <p:embed/>
                 </p:oleObj>
               </mc:Choice>
               <mc:Fallback>
-                <p:oleObj name="Equation" r:id="rId3" imgW="1549080" imgH="253800" progId="Equation.DSMT4">
+                <p:oleObj name="Equation" r:id="rId2" imgW="1549080" imgH="253800" progId="Equation.DSMT4">
                   <p:embed/>
                   <p:pic>
                     <p:nvPicPr>
@@ -25717,7 +26145,7 @@
                       <p:nvPr/>
                     </p:nvPicPr>
                     <p:blipFill>
-                      <a:blip r:embed="rId4"/>
+                      <a:blip r:embed="rId3"/>
                       <a:stretch>
                         <a:fillRect/>
                       </a:stretch>
@@ -25766,12 +26194,12 @@
           <a:graphicData uri="http://schemas.openxmlformats.org/presentationml/2006/ole">
             <mc:AlternateContent xmlns:mc="http://schemas.openxmlformats.org/markup-compatibility/2006">
               <mc:Choice xmlns:v="urn:schemas-microsoft-com:vml" Requires="v">
-                <p:oleObj spid="_x0000_s4208" name="Equation" r:id="rId5" imgW="114120" imgH="177480" progId="Equation.DSMT4">
+                <p:oleObj name="Equation" r:id="rId4" imgW="114120" imgH="177480" progId="Equation.DSMT4">
                   <p:embed/>
                 </p:oleObj>
               </mc:Choice>
               <mc:Fallback>
-                <p:oleObj name="Equation" r:id="rId5" imgW="114120" imgH="177480" progId="Equation.DSMT4">
+                <p:oleObj name="Equation" r:id="rId4" imgW="114120" imgH="177480" progId="Equation.DSMT4">
                   <p:embed/>
                   <p:pic>
                     <p:nvPicPr>
@@ -25780,7 +26208,7 @@
                       <p:nvPr/>
                     </p:nvPicPr>
                     <p:blipFill>
-                      <a:blip r:embed="rId6"/>
+                      <a:blip r:embed="rId5"/>
                       <a:stretch>
                         <a:fillRect/>
                       </a:stretch>
@@ -25829,12 +26257,12 @@
           <a:graphicData uri="http://schemas.openxmlformats.org/presentationml/2006/ole">
             <mc:AlternateContent xmlns:mc="http://schemas.openxmlformats.org/markup-compatibility/2006">
               <mc:Choice xmlns:v="urn:schemas-microsoft-com:vml" Requires="v">
-                <p:oleObj spid="_x0000_s4209" name="Equation" r:id="rId7" imgW="3517560" imgH="457200" progId="Equation.DSMT4">
+                <p:oleObj name="Equation" r:id="rId6" imgW="3517560" imgH="457200" progId="Equation.DSMT4">
                   <p:embed/>
                 </p:oleObj>
               </mc:Choice>
               <mc:Fallback>
-                <p:oleObj name="Equation" r:id="rId7" imgW="3517560" imgH="457200" progId="Equation.DSMT4">
+                <p:oleObj name="Equation" r:id="rId6" imgW="3517560" imgH="457200" progId="Equation.DSMT4">
                   <p:embed/>
                   <p:pic>
                     <p:nvPicPr>
@@ -25843,7 +26271,7 @@
                       <p:nvPr/>
                     </p:nvPicPr>
                     <p:blipFill>
-                      <a:blip r:embed="rId8"/>
+                      <a:blip r:embed="rId7"/>
                       <a:stretch>
                         <a:fillRect/>
                       </a:stretch>
@@ -25892,12 +26320,12 @@
           <a:graphicData uri="http://schemas.openxmlformats.org/presentationml/2006/ole">
             <mc:AlternateContent xmlns:mc="http://schemas.openxmlformats.org/markup-compatibility/2006">
               <mc:Choice xmlns:v="urn:schemas-microsoft-com:vml" Requires="v">
-                <p:oleObj spid="_x0000_s4210" name="Equation" r:id="rId9" imgW="3530520" imgH="457200" progId="Equation.DSMT4">
+                <p:oleObj name="Equation" r:id="rId8" imgW="3530520" imgH="457200" progId="Equation.DSMT4">
                   <p:embed/>
                 </p:oleObj>
               </mc:Choice>
               <mc:Fallback>
-                <p:oleObj name="Equation" r:id="rId9" imgW="3530520" imgH="457200" progId="Equation.DSMT4">
+                <p:oleObj name="Equation" r:id="rId8" imgW="3530520" imgH="457200" progId="Equation.DSMT4">
                   <p:embed/>
                   <p:pic>
                     <p:nvPicPr>
@@ -25906,7 +26334,7 @@
                       <p:nvPr/>
                     </p:nvPicPr>
                     <p:blipFill>
-                      <a:blip r:embed="rId10"/>
+                      <a:blip r:embed="rId9"/>
                       <a:stretch>
                         <a:fillRect/>
                       </a:stretch>
@@ -26151,7 +26579,7 @@
           <p:nvPr/>
         </p:nvPicPr>
         <p:blipFill>
-          <a:blip r:embed="rId3"/>
+          <a:blip r:embed="rId2"/>
           <a:stretch>
             <a:fillRect/>
           </a:stretch>
@@ -26232,12 +26660,12 @@
           <a:graphicData uri="http://schemas.openxmlformats.org/presentationml/2006/ole">
             <mc:AlternateContent xmlns:mc="http://schemas.openxmlformats.org/markup-compatibility/2006">
               <mc:Choice xmlns:v="urn:schemas-microsoft-com:vml" Requires="v">
-                <p:oleObj spid="_x0000_s7197" name="Equation" r:id="rId4" imgW="2705040" imgH="482400" progId="Equation.DSMT4">
+                <p:oleObj name="Equation" r:id="rId3" imgW="2705040" imgH="482400" progId="Equation.DSMT4">
                   <p:embed/>
                 </p:oleObj>
               </mc:Choice>
               <mc:Fallback>
-                <p:oleObj name="Equation" r:id="rId4" imgW="2705040" imgH="482400" progId="Equation.DSMT4">
+                <p:oleObj name="Equation" r:id="rId3" imgW="2705040" imgH="482400" progId="Equation.DSMT4">
                   <p:embed/>
                   <p:pic>
                     <p:nvPicPr>
@@ -26246,7 +26674,7 @@
                       <p:nvPr/>
                     </p:nvPicPr>
                     <p:blipFill>
-                      <a:blip r:embed="rId5"/>
+                      <a:blip r:embed="rId4"/>
                       <a:stretch>
                         <a:fillRect/>
                       </a:stretch>
@@ -26282,7 +26710,7 @@
           <p:nvPr/>
         </p:nvPicPr>
         <p:blipFill>
-          <a:blip r:embed="rId6"/>
+          <a:blip r:embed="rId5"/>
           <a:stretch>
             <a:fillRect/>
           </a:stretch>
@@ -26312,7 +26740,7 @@
           <p:nvPr/>
         </p:nvPicPr>
         <p:blipFill>
-          <a:blip r:embed="rId7"/>
+          <a:blip r:embed="rId6"/>
           <a:stretch>
             <a:fillRect/>
           </a:stretch>
@@ -26529,10 +26957,10 @@
       </p:grpSpPr>
       <p:pic>
         <p:nvPicPr>
-          <p:cNvPr id="4" name="图片 3">
+          <p:cNvPr id="2" name="图片 1">
             <a:extLst>
               <a:ext uri="{FF2B5EF4-FFF2-40B4-BE49-F238E27FC236}">
-                <a16:creationId xmlns:a16="http://schemas.microsoft.com/office/drawing/2014/main" id="{C1126AD0-CC01-4167-BE77-AA0EEBC59E2E}"/>
+                <a16:creationId xmlns:a16="http://schemas.microsoft.com/office/drawing/2014/main" id="{6ED2062C-B570-EBBF-E28D-4B8CFBECD615}"/>
               </a:ext>
             </a:extLst>
           </p:cNvPr>
@@ -26549,20 +26977,348 @@
               </a:ext>
             </a:extLst>
           </a:blip>
+          <a:srcRect t="18504" b="50420"/>
+          <a:stretch/>
+        </p:blipFill>
+        <p:spPr>
+          <a:xfrm>
+            <a:off x="0" y="1268998"/>
+            <a:ext cx="9144000" cy="2131150"/>
+          </a:xfrm>
+          <a:prstGeom prst="rect">
+            <a:avLst/>
+          </a:prstGeom>
+        </p:spPr>
+      </p:pic>
+      <p:graphicFrame>
+        <p:nvGraphicFramePr>
+          <p:cNvPr id="5" name="对象 4">
+            <a:extLst>
+              <a:ext uri="{FF2B5EF4-FFF2-40B4-BE49-F238E27FC236}">
+                <a16:creationId xmlns:a16="http://schemas.microsoft.com/office/drawing/2014/main" id="{E63EB71E-C614-3514-5F65-3227ADF6A59C}"/>
+              </a:ext>
+            </a:extLst>
+          </p:cNvPr>
+          <p:cNvGraphicFramePr>
+            <a:graphicFrameLocks noChangeAspect="1"/>
+          </p:cNvGraphicFramePr>
+          <p:nvPr>
+            <p:extLst>
+              <p:ext uri="{D42A27DB-BD31-4B8C-83A1-F6EECF244321}">
+                <p14:modId xmlns:p14="http://schemas.microsoft.com/office/powerpoint/2010/main" val="661936475"/>
+              </p:ext>
+            </p:extLst>
+          </p:nvPr>
+        </p:nvGraphicFramePr>
+        <p:xfrm>
+          <a:off x="3577952" y="3496634"/>
+          <a:ext cx="4226191" cy="684435"/>
+        </p:xfrm>
+        <a:graphic>
+          <a:graphicData uri="http://schemas.openxmlformats.org/presentationml/2006/ole">
+            <mc:AlternateContent xmlns:mc="http://schemas.openxmlformats.org/markup-compatibility/2006">
+              <mc:Choice xmlns:v="urn:schemas-microsoft-com:vml" Requires="v">
+                <p:oleObj r:id="rId3" imgW="2641600" imgH="431800" progId="Equation.3">
+                  <p:embed/>
+                </p:oleObj>
+              </mc:Choice>
+              <mc:Fallback>
+                <p:oleObj r:id="rId3" imgW="2641600" imgH="431800" progId="Equation.3">
+                  <p:embed/>
+                  <p:pic>
+                    <p:nvPicPr>
+                      <p:cNvPr id="10" name="对象 9">
+                        <a:extLst>
+                          <a:ext uri="{FF2B5EF4-FFF2-40B4-BE49-F238E27FC236}">
+                            <a16:creationId xmlns:a16="http://schemas.microsoft.com/office/drawing/2014/main" id="{E1B0583D-6990-EECB-B479-4CF4628029B4}"/>
+                          </a:ext>
+                        </a:extLst>
+                      </p:cNvPr>
+                      <p:cNvPicPr>
+                        <a:picLocks noChangeAspect="1" noChangeArrowheads="1"/>
+                      </p:cNvPicPr>
+                      <p:nvPr/>
+                    </p:nvPicPr>
+                    <p:blipFill>
+                      <a:blip r:embed="rId4">
+                        <a:extLst>
+                          <a:ext uri="{28A0092B-C50C-407E-A947-70E740481C1C}">
+                            <a14:useLocalDpi xmlns:a14="http://schemas.microsoft.com/office/drawing/2010/main" val="0"/>
+                          </a:ext>
+                        </a:extLst>
+                      </a:blip>
+                      <a:srcRect/>
+                      <a:stretch>
+                        <a:fillRect/>
+                      </a:stretch>
+                    </p:blipFill>
+                    <p:spPr bwMode="auto">
+                      <a:xfrm>
+                        <a:off x="3577952" y="3496634"/>
+                        <a:ext cx="4226191" cy="684435"/>
+                      </a:xfrm>
+                      <a:prstGeom prst="rect">
+                        <a:avLst/>
+                      </a:prstGeom>
+                      <a:noFill/>
+                    </p:spPr>
+                  </p:pic>
+                </p:oleObj>
+              </mc:Fallback>
+            </mc:AlternateContent>
+          </a:graphicData>
+        </a:graphic>
+      </p:graphicFrame>
+      <p:pic>
+        <p:nvPicPr>
+          <p:cNvPr id="6" name="图片 5">
+            <a:extLst>
+              <a:ext uri="{FF2B5EF4-FFF2-40B4-BE49-F238E27FC236}">
+                <a16:creationId xmlns:a16="http://schemas.microsoft.com/office/drawing/2014/main" id="{2DD189AA-7E3A-05AE-1CAF-B7394081DF74}"/>
+              </a:ext>
+            </a:extLst>
+          </p:cNvPr>
+          <p:cNvPicPr>
+            <a:picLocks noChangeAspect="1"/>
+          </p:cNvPicPr>
+          <p:nvPr/>
+        </p:nvPicPr>
+        <p:blipFill>
+          <a:blip r:embed="rId2">
+            <a:extLst>
+              <a:ext uri="{28A0092B-C50C-407E-A947-70E740481C1C}">
+                <a14:useLocalDpi xmlns:a14="http://schemas.microsoft.com/office/drawing/2010/main" val="0"/>
+              </a:ext>
+            </a:extLst>
+          </a:blip>
+          <a:srcRect l="2756" t="66495" r="14567" b="21111"/>
+          <a:stretch/>
+        </p:blipFill>
+        <p:spPr>
+          <a:xfrm>
+            <a:off x="287821" y="4877133"/>
+            <a:ext cx="7560007" cy="849950"/>
+          </a:xfrm>
+          <a:prstGeom prst="rect">
+            <a:avLst/>
+          </a:prstGeom>
+        </p:spPr>
+      </p:pic>
+      <p:graphicFrame>
+        <p:nvGraphicFramePr>
+          <p:cNvPr id="7" name="对象 6">
+            <a:extLst>
+              <a:ext uri="{FF2B5EF4-FFF2-40B4-BE49-F238E27FC236}">
+                <a16:creationId xmlns:a16="http://schemas.microsoft.com/office/drawing/2014/main" id="{6364E608-663C-C4C4-12B9-7B46F22381A5}"/>
+              </a:ext>
+            </a:extLst>
+          </p:cNvPr>
+          <p:cNvGraphicFramePr>
+            <a:graphicFrameLocks noChangeAspect="1"/>
+          </p:cNvGraphicFramePr>
+          <p:nvPr>
+            <p:extLst>
+              <p:ext uri="{D42A27DB-BD31-4B8C-83A1-F6EECF244321}">
+                <p14:modId xmlns:p14="http://schemas.microsoft.com/office/powerpoint/2010/main" val="195563493"/>
+              </p:ext>
+            </p:extLst>
+          </p:nvPr>
+        </p:nvGraphicFramePr>
+        <p:xfrm>
+          <a:off x="444500" y="4103688"/>
+          <a:ext cx="3522663" cy="771525"/>
+        </p:xfrm>
+        <a:graphic>
+          <a:graphicData uri="http://schemas.openxmlformats.org/presentationml/2006/ole">
+            <mc:AlternateContent xmlns:mc="http://schemas.openxmlformats.org/markup-compatibility/2006">
+              <mc:Choice xmlns:v="urn:schemas-microsoft-com:vml" Requires="v">
+                <p:oleObj r:id="rId5" imgW="2222500" imgH="482600" progId="Equation.3">
+                  <p:embed/>
+                </p:oleObj>
+              </mc:Choice>
+              <mc:Fallback>
+                <p:oleObj r:id="rId5" imgW="2222500" imgH="482600" progId="Equation.3">
+                  <p:embed/>
+                  <p:pic>
+                    <p:nvPicPr>
+                      <p:cNvPr id="15" name="对象 14">
+                        <a:extLst>
+                          <a:ext uri="{FF2B5EF4-FFF2-40B4-BE49-F238E27FC236}">
+                            <a16:creationId xmlns:a16="http://schemas.microsoft.com/office/drawing/2014/main" id="{F87FC080-B7C4-14D5-4582-6E3FB7B16522}"/>
+                          </a:ext>
+                        </a:extLst>
+                      </p:cNvPr>
+                      <p:cNvPicPr>
+                        <a:picLocks noChangeAspect="1" noChangeArrowheads="1"/>
+                      </p:cNvPicPr>
+                      <p:nvPr/>
+                    </p:nvPicPr>
+                    <p:blipFill>
+                      <a:blip r:embed="rId6">
+                        <a:extLst>
+                          <a:ext uri="{28A0092B-C50C-407E-A947-70E740481C1C}">
+                            <a14:useLocalDpi xmlns:a14="http://schemas.microsoft.com/office/drawing/2010/main" val="0"/>
+                          </a:ext>
+                        </a:extLst>
+                      </a:blip>
+                      <a:srcRect/>
+                      <a:stretch>
+                        <a:fillRect/>
+                      </a:stretch>
+                    </p:blipFill>
+                    <p:spPr bwMode="auto">
+                      <a:xfrm>
+                        <a:off x="444500" y="4103688"/>
+                        <a:ext cx="3522663" cy="771525"/>
+                      </a:xfrm>
+                      <a:prstGeom prst="rect">
+                        <a:avLst/>
+                      </a:prstGeom>
+                      <a:noFill/>
+                    </p:spPr>
+                  </p:pic>
+                </p:oleObj>
+              </mc:Fallback>
+            </mc:AlternateContent>
+          </a:graphicData>
+        </a:graphic>
+      </p:graphicFrame>
+      <p:pic>
+        <p:nvPicPr>
+          <p:cNvPr id="8" name="图片 7">
+            <a:extLst>
+              <a:ext uri="{FF2B5EF4-FFF2-40B4-BE49-F238E27FC236}">
+                <a16:creationId xmlns:a16="http://schemas.microsoft.com/office/drawing/2014/main" id="{DE286CB2-4D45-2767-9C76-84C1FEDCA504}"/>
+              </a:ext>
+            </a:extLst>
+          </p:cNvPr>
+          <p:cNvPicPr>
+            <a:picLocks noChangeAspect="1"/>
+          </p:cNvPicPr>
+          <p:nvPr/>
+        </p:nvPicPr>
+        <p:blipFill>
+          <a:blip r:embed="rId7"/>
           <a:stretch>
             <a:fillRect/>
           </a:stretch>
         </p:blipFill>
         <p:spPr>
           <a:xfrm>
-            <a:off x="0" y="0"/>
-            <a:ext cx="9144000" cy="6858000"/>
+            <a:off x="127667" y="5727083"/>
+            <a:ext cx="8278122" cy="962308"/>
           </a:xfrm>
           <a:prstGeom prst="rect">
             <a:avLst/>
           </a:prstGeom>
         </p:spPr>
       </p:pic>
+      <p:sp>
+        <p:nvSpPr>
+          <p:cNvPr id="9" name="标题 1">
+            <a:extLst>
+              <a:ext uri="{FF2B5EF4-FFF2-40B4-BE49-F238E27FC236}">
+                <a16:creationId xmlns:a16="http://schemas.microsoft.com/office/drawing/2014/main" id="{3318B30D-AD10-75C1-E1C9-EDF265E53B24}"/>
+              </a:ext>
+            </a:extLst>
+          </p:cNvPr>
+          <p:cNvSpPr>
+            <a:spLocks noGrp="1"/>
+          </p:cNvSpPr>
+          <p:nvPr>
+            <p:ph type="title"/>
+          </p:nvPr>
+        </p:nvSpPr>
+        <p:spPr>
+          <a:xfrm>
+            <a:off x="457200" y="457200"/>
+            <a:ext cx="8229600" cy="533400"/>
+          </a:xfrm>
+        </p:spPr>
+        <p:txBody>
+          <a:bodyPr/>
+          <a:lstStyle/>
+          <a:p>
+            <a:r>
+              <a:rPr lang="en-US" altLang="zh-CN" dirty="0"/>
+              <a:t>5.1  </a:t>
+            </a:r>
+            <a:r>
+              <a:rPr lang="zh-CN" altLang="en-US" dirty="0"/>
+              <a:t>网络函数与频率特性</a:t>
+            </a:r>
+          </a:p>
+        </p:txBody>
+      </p:sp>
+      <p:graphicFrame>
+        <p:nvGraphicFramePr>
+          <p:cNvPr id="4" name="对象 3">
+            <a:extLst>
+              <a:ext uri="{FF2B5EF4-FFF2-40B4-BE49-F238E27FC236}">
+                <a16:creationId xmlns:a16="http://schemas.microsoft.com/office/drawing/2014/main" id="{FCBC0623-FFE1-54DC-B985-28FD8096158C}"/>
+              </a:ext>
+            </a:extLst>
+          </p:cNvPr>
+          <p:cNvGraphicFramePr>
+            <a:graphicFrameLocks noChangeAspect="1"/>
+          </p:cNvGraphicFramePr>
+          <p:nvPr>
+            <p:extLst>
+              <p:ext uri="{D42A27DB-BD31-4B8C-83A1-F6EECF244321}">
+                <p14:modId xmlns:p14="http://schemas.microsoft.com/office/powerpoint/2010/main" val="402486944"/>
+              </p:ext>
+            </p:extLst>
+          </p:nvPr>
+        </p:nvGraphicFramePr>
+        <p:xfrm>
+          <a:off x="476421" y="3457853"/>
+          <a:ext cx="3023191" cy="739572"/>
+        </p:xfrm>
+        <a:graphic>
+          <a:graphicData uri="http://schemas.openxmlformats.org/presentationml/2006/ole">
+            <mc:AlternateContent xmlns:mc="http://schemas.openxmlformats.org/markup-compatibility/2006">
+              <mc:Choice xmlns:v="urn:schemas-microsoft-com:vml" Requires="v">
+                <p:oleObj name="Equation" r:id="rId8" imgW="1765080" imgH="431640" progId="Equation.DSMT4">
+                  <p:embed/>
+                </p:oleObj>
+              </mc:Choice>
+              <mc:Fallback>
+                <p:oleObj name="Equation" r:id="rId8" imgW="1765080" imgH="431640" progId="Equation.DSMT4">
+                  <p:embed/>
+                  <p:pic>
+                    <p:nvPicPr>
+                      <p:cNvPr id="37" name="对象 36">
+                        <a:extLst>
+                          <a:ext uri="{FF2B5EF4-FFF2-40B4-BE49-F238E27FC236}">
+                            <a16:creationId xmlns:a16="http://schemas.microsoft.com/office/drawing/2014/main" id="{B87F5965-58EE-432C-B5AD-197CC19CE4D0}"/>
+                          </a:ext>
+                        </a:extLst>
+                      </p:cNvPr>
+                      <p:cNvPicPr/>
+                      <p:nvPr/>
+                    </p:nvPicPr>
+                    <p:blipFill>
+                      <a:blip r:embed="rId9"/>
+                      <a:stretch>
+                        <a:fillRect/>
+                      </a:stretch>
+                    </p:blipFill>
+                    <p:spPr>
+                      <a:xfrm>
+                        <a:off x="476421" y="3457853"/>
+                        <a:ext cx="3023191" cy="739572"/>
+                      </a:xfrm>
+                      <a:prstGeom prst="rect">
+                        <a:avLst/>
+                      </a:prstGeom>
+                    </p:spPr>
+                  </p:pic>
+                </p:oleObj>
+              </mc:Fallback>
+            </mc:AlternateContent>
+          </a:graphicData>
+        </a:graphic>
+      </p:graphicFrame>
     </p:spTree>
     <p:extLst>
       <p:ext uri="{BB962C8B-B14F-4D97-AF65-F5344CB8AC3E}">
